--- a/Disused code/Misc/DLM_DFO/Lectures/3 Customizing DLMtool/L3d Running MPs.pptx
+++ b/Disused code/Misc/DLM_DFO/Lectures/3 Customizing DLMtool/L3d Running MPs.pptx
@@ -167,6 +167,10 @@
 </p:presentation>
 </file>
 
+<file path=ppt/revisionInfo.xml><?xml version="1.0" encoding="utf-8"?>
+<p1510:revInfo xmlns:a="http://schemas.openxmlformats.org/drawingml/2006/main" xmlns:r="http://schemas.openxmlformats.org/officeDocument/2006/relationships" xmlns:p1510="http://schemas.microsoft.com/office/powerpoint/2015/10/main"/>
+</file>
+
 <file path=ppt/notesMasters/notesMaster1.xml><?xml version="1.0" encoding="utf-8"?>
 <p:notesMaster xmlns:a="http://schemas.openxmlformats.org/drawingml/2006/main" xmlns:r="http://schemas.openxmlformats.org/officeDocument/2006/relationships" xmlns:p="http://schemas.openxmlformats.org/presentationml/2006/main">
   <p:cSld>
@@ -265,7 +269,7 @@
               <a:pPr>
                 <a:defRPr/>
               </a:pPr>
-              <a:t>2017-10-20</a:t>
+              <a:t>2017-10-23</a:t>
             </a:fld>
             <a:endParaRPr lang="en-CA"/>
           </a:p>
@@ -330,35 +334,35 @@
           <a:p>
             <a:pPr lvl="0"/>
             <a:r>
-              <a:rPr lang="en-US" noProof="0" smtClean="0"/>
+              <a:rPr lang="en-US" noProof="0"/>
               <a:t>Click to edit Master text styles</a:t>
             </a:r>
           </a:p>
           <a:p>
             <a:pPr lvl="1"/>
             <a:r>
-              <a:rPr lang="en-US" noProof="0" smtClean="0"/>
+              <a:rPr lang="en-US" noProof="0"/>
               <a:t>Second level</a:t>
             </a:r>
           </a:p>
           <a:p>
             <a:pPr lvl="2"/>
             <a:r>
-              <a:rPr lang="en-US" noProof="0" smtClean="0"/>
+              <a:rPr lang="en-US" noProof="0"/>
               <a:t>Third level</a:t>
             </a:r>
           </a:p>
           <a:p>
             <a:pPr lvl="3"/>
             <a:r>
-              <a:rPr lang="en-US" noProof="0" smtClean="0"/>
+              <a:rPr lang="en-US" noProof="0"/>
               <a:t>Fourth level</a:t>
             </a:r>
           </a:p>
           <a:p>
             <a:pPr lvl="4"/>
             <a:r>
-              <a:rPr lang="en-US" noProof="0" smtClean="0"/>
+              <a:rPr lang="en-US" noProof="0"/>
               <a:t>Fifth level</a:t>
             </a:r>
             <a:endParaRPr lang="en-CA" noProof="0"/>
@@ -650,7 +654,7 @@
           </a:lstStyle>
           <a:p>
             <a:r>
-              <a:rPr lang="en-US" smtClean="0"/>
+              <a:rPr lang="en-US"/>
               <a:t>Click to edit Master title style</a:t>
             </a:r>
             <a:endParaRPr lang="en-US" dirty="0"/>
@@ -746,7 +750,7 @@
           </a:lstStyle>
           <a:p>
             <a:r>
-              <a:rPr lang="en-US" smtClean="0"/>
+              <a:rPr lang="en-US"/>
               <a:t>Click to edit Master subtitle style</a:t>
             </a:r>
             <a:endParaRPr lang="en-US" dirty="0"/>
@@ -780,7 +784,7 @@
               <a:pPr>
                 <a:defRPr/>
               </a:pPr>
-              <a:t>10/20/2017</a:t>
+              <a:t>10/23/2017</a:t>
             </a:fld>
             <a:endParaRPr lang="en-US" dirty="0"/>
           </a:p>
@@ -959,7 +963,7 @@
           </a:lstStyle>
           <a:p>
             <a:r>
-              <a:rPr lang="en-US" smtClean="0"/>
+              <a:rPr lang="en-US"/>
               <a:t>Click to edit Master title style</a:t>
             </a:r>
             <a:endParaRPr lang="en-US" dirty="0"/>
@@ -1027,7 +1031,7 @@
           <a:p>
             <a:pPr lvl="0"/>
             <a:r>
-              <a:rPr lang="en-US" noProof="0" smtClean="0"/>
+              <a:rPr lang="en-US" noProof="0"/>
               <a:t>Click icon to add picture</a:t>
             </a:r>
             <a:endParaRPr lang="en-US" noProof="0" dirty="0"/>
@@ -1117,7 +1121,7 @@
           <a:p>
             <a:pPr lvl="0"/>
             <a:r>
-              <a:rPr lang="en-US" smtClean="0"/>
+              <a:rPr lang="en-US"/>
               <a:t>Click to edit Master text styles</a:t>
             </a:r>
           </a:p>
@@ -1150,7 +1154,7 @@
               <a:pPr>
                 <a:defRPr/>
               </a:pPr>
-              <a:t>10/20/2017</a:t>
+              <a:t>10/23/2017</a:t>
             </a:fld>
             <a:endParaRPr lang="en-US" dirty="0"/>
           </a:p>
@@ -1329,7 +1333,7 @@
           </a:lstStyle>
           <a:p>
             <a:r>
-              <a:rPr lang="en-US" smtClean="0"/>
+              <a:rPr lang="en-US"/>
               <a:t>Click to edit Master title style</a:t>
             </a:r>
             <a:endParaRPr lang="en-US" dirty="0"/>
@@ -1395,7 +1399,7 @@
           <a:p>
             <a:pPr lvl="0"/>
             <a:r>
-              <a:rPr lang="en-US" smtClean="0"/>
+              <a:rPr lang="en-US"/>
               <a:t>Click to edit Master text styles</a:t>
             </a:r>
           </a:p>
@@ -1428,7 +1432,7 @@
               <a:pPr>
                 <a:defRPr/>
               </a:pPr>
-              <a:t>10/20/2017</a:t>
+              <a:t>10/23/2017</a:t>
             </a:fld>
             <a:endParaRPr lang="en-US" dirty="0"/>
           </a:p>
@@ -1849,7 +1853,7 @@
           </a:lstStyle>
           <a:p>
             <a:r>
-              <a:rPr lang="en-US" smtClean="0"/>
+              <a:rPr lang="en-US"/>
               <a:t>Click to edit Master title style</a:t>
             </a:r>
             <a:endParaRPr lang="en-US" dirty="0"/>
@@ -1917,7 +1921,7 @@
           <a:p>
             <a:pPr lvl="0"/>
             <a:r>
-              <a:rPr lang="en-US" smtClean="0"/>
+              <a:rPr lang="en-US"/>
               <a:t>Click to edit Master text styles</a:t>
             </a:r>
           </a:p>
@@ -1984,7 +1988,7 @@
           <a:p>
             <a:pPr lvl="0"/>
             <a:r>
-              <a:rPr lang="en-US" smtClean="0"/>
+              <a:rPr lang="en-US"/>
               <a:t>Click to edit Master text styles</a:t>
             </a:r>
           </a:p>
@@ -2017,7 +2021,7 @@
               <a:pPr>
                 <a:defRPr/>
               </a:pPr>
-              <a:t>10/20/2017</a:t>
+              <a:t>10/23/2017</a:t>
             </a:fld>
             <a:endParaRPr lang="en-US" dirty="0"/>
           </a:p>
@@ -2198,7 +2202,7 @@
           </a:lstStyle>
           <a:p>
             <a:r>
-              <a:rPr lang="en-US" smtClean="0"/>
+              <a:rPr lang="en-US"/>
               <a:t>Click to edit Master title style</a:t>
             </a:r>
             <a:endParaRPr lang="en-US" dirty="0"/>
@@ -2264,7 +2268,7 @@
           <a:p>
             <a:pPr lvl="0"/>
             <a:r>
-              <a:rPr lang="en-US" smtClean="0"/>
+              <a:rPr lang="en-US"/>
               <a:t>Click to edit Master text styles</a:t>
             </a:r>
           </a:p>
@@ -2297,7 +2301,7 @@
               <a:pPr>
                 <a:defRPr/>
               </a:pPr>
-              <a:t>10/20/2017</a:t>
+              <a:t>10/23/2017</a:t>
             </a:fld>
             <a:endParaRPr lang="en-US" dirty="0"/>
           </a:p>
@@ -2472,7 +2476,7 @@
           <a:lstStyle/>
           <a:p>
             <a:r>
-              <a:rPr lang="en-US" smtClean="0"/>
+              <a:rPr lang="en-US"/>
               <a:t>Click to edit Master title style</a:t>
             </a:r>
             <a:endParaRPr lang="en-US" dirty="0"/>
@@ -2567,7 +2571,7 @@
           <a:p>
             <a:pPr lvl="0"/>
             <a:r>
-              <a:rPr lang="en-US" smtClean="0"/>
+              <a:rPr lang="en-US"/>
               <a:t>Click to edit Master text styles</a:t>
             </a:r>
           </a:p>
@@ -2634,7 +2638,7 @@
           <a:p>
             <a:pPr lvl="0"/>
             <a:r>
-              <a:rPr lang="en-US" smtClean="0"/>
+              <a:rPr lang="en-US"/>
               <a:t>Click to edit Master text styles</a:t>
             </a:r>
           </a:p>
@@ -2696,7 +2700,7 @@
           <a:p>
             <a:pPr lvl="0"/>
             <a:r>
-              <a:rPr lang="en-US" smtClean="0"/>
+              <a:rPr lang="en-US"/>
               <a:t>Click to edit Master text styles</a:t>
             </a:r>
           </a:p>
@@ -2763,7 +2767,7 @@
           <a:p>
             <a:pPr lvl="0"/>
             <a:r>
-              <a:rPr lang="en-US" smtClean="0"/>
+              <a:rPr lang="en-US"/>
               <a:t>Click to edit Master text styles</a:t>
             </a:r>
           </a:p>
@@ -2825,7 +2829,7 @@
           <a:p>
             <a:pPr lvl="0"/>
             <a:r>
-              <a:rPr lang="en-US" smtClean="0"/>
+              <a:rPr lang="en-US"/>
               <a:t>Click to edit Master text styles</a:t>
             </a:r>
           </a:p>
@@ -2892,7 +2896,7 @@
           <a:p>
             <a:pPr lvl="0"/>
             <a:r>
-              <a:rPr lang="en-US" smtClean="0"/>
+              <a:rPr lang="en-US"/>
               <a:t>Click to edit Master text styles</a:t>
             </a:r>
           </a:p>
@@ -2925,7 +2929,7 @@
               <a:pPr>
                 <a:defRPr/>
               </a:pPr>
-              <a:t>10/20/2017</a:t>
+              <a:t>10/23/2017</a:t>
             </a:fld>
             <a:endParaRPr lang="en-US" dirty="0"/>
           </a:p>
@@ -3100,7 +3104,7 @@
           <a:lstStyle/>
           <a:p>
             <a:r>
-              <a:rPr lang="en-US" smtClean="0"/>
+              <a:rPr lang="en-US"/>
               <a:t>Click to edit Master title style</a:t>
             </a:r>
             <a:endParaRPr lang="en-US" dirty="0"/>
@@ -3191,7 +3195,7 @@
           <a:p>
             <a:pPr lvl="0"/>
             <a:r>
-              <a:rPr lang="en-US" smtClean="0"/>
+              <a:rPr lang="en-US"/>
               <a:t>Click to edit Master text styles</a:t>
             </a:r>
           </a:p>
@@ -3270,7 +3274,7 @@
           <a:p>
             <a:pPr lvl="0"/>
             <a:r>
-              <a:rPr lang="en-US" noProof="0" smtClean="0"/>
+              <a:rPr lang="en-US" noProof="0"/>
               <a:t>Click icon to add picture</a:t>
             </a:r>
             <a:endParaRPr lang="en-US" noProof="0" dirty="0"/>
@@ -3338,7 +3342,7 @@
           <a:p>
             <a:pPr lvl="0"/>
             <a:r>
-              <a:rPr lang="en-US" smtClean="0"/>
+              <a:rPr lang="en-US"/>
               <a:t>Click to edit Master text styles</a:t>
             </a:r>
           </a:p>
@@ -3428,7 +3432,7 @@
           <a:p>
             <a:pPr lvl="0"/>
             <a:r>
-              <a:rPr lang="en-US" smtClean="0"/>
+              <a:rPr lang="en-US"/>
               <a:t>Click to edit Master text styles</a:t>
             </a:r>
           </a:p>
@@ -3507,7 +3511,7 @@
           <a:p>
             <a:pPr lvl="0"/>
             <a:r>
-              <a:rPr lang="en-US" noProof="0" smtClean="0"/>
+              <a:rPr lang="en-US" noProof="0"/>
               <a:t>Click icon to add picture</a:t>
             </a:r>
             <a:endParaRPr lang="en-US" noProof="0" dirty="0"/>
@@ -3575,7 +3579,7 @@
           <a:p>
             <a:pPr lvl="0"/>
             <a:r>
-              <a:rPr lang="en-US" smtClean="0"/>
+              <a:rPr lang="en-US"/>
               <a:t>Click to edit Master text styles</a:t>
             </a:r>
           </a:p>
@@ -3665,7 +3669,7 @@
           <a:p>
             <a:pPr lvl="0"/>
             <a:r>
-              <a:rPr lang="en-US" smtClean="0"/>
+              <a:rPr lang="en-US"/>
               <a:t>Click to edit Master text styles</a:t>
             </a:r>
           </a:p>
@@ -3744,7 +3748,7 @@
           <a:p>
             <a:pPr lvl="0"/>
             <a:r>
-              <a:rPr lang="en-US" noProof="0" smtClean="0"/>
+              <a:rPr lang="en-US" noProof="0"/>
               <a:t>Click icon to add picture</a:t>
             </a:r>
             <a:endParaRPr lang="en-US" noProof="0" dirty="0"/>
@@ -3812,7 +3816,7 @@
           <a:p>
             <a:pPr lvl="0"/>
             <a:r>
-              <a:rPr lang="en-US" smtClean="0"/>
+              <a:rPr lang="en-US"/>
               <a:t>Click to edit Master text styles</a:t>
             </a:r>
           </a:p>
@@ -3845,7 +3849,7 @@
               <a:pPr>
                 <a:defRPr/>
               </a:pPr>
-              <a:t>10/20/2017</a:t>
+              <a:t>10/23/2017</a:t>
             </a:fld>
             <a:endParaRPr lang="en-US" dirty="0"/>
           </a:p>
@@ -4015,7 +4019,7 @@
           <a:lstStyle/>
           <a:p>
             <a:r>
-              <a:rPr lang="en-US" smtClean="0"/>
+              <a:rPr lang="en-US"/>
               <a:t>Click to edit Master title style</a:t>
             </a:r>
             <a:endParaRPr lang="en-US" dirty="0"/>
@@ -4039,35 +4043,35 @@
           <a:p>
             <a:pPr lvl="0"/>
             <a:r>
-              <a:rPr lang="en-US" smtClean="0"/>
+              <a:rPr lang="en-US"/>
               <a:t>Click to edit Master text styles</a:t>
             </a:r>
           </a:p>
           <a:p>
             <a:pPr lvl="1"/>
             <a:r>
-              <a:rPr lang="en-US" smtClean="0"/>
+              <a:rPr lang="en-US"/>
               <a:t>Second level</a:t>
             </a:r>
           </a:p>
           <a:p>
             <a:pPr lvl="2"/>
             <a:r>
-              <a:rPr lang="en-US" smtClean="0"/>
+              <a:rPr lang="en-US"/>
               <a:t>Third level</a:t>
             </a:r>
           </a:p>
           <a:p>
             <a:pPr lvl="3"/>
             <a:r>
-              <a:rPr lang="en-US" smtClean="0"/>
+              <a:rPr lang="en-US"/>
               <a:t>Fourth level</a:t>
             </a:r>
           </a:p>
           <a:p>
             <a:pPr lvl="4"/>
             <a:r>
-              <a:rPr lang="en-US" smtClean="0"/>
+              <a:rPr lang="en-US"/>
               <a:t>Fifth level</a:t>
             </a:r>
             <a:endParaRPr lang="en-US" dirty="0"/>
@@ -4101,7 +4105,7 @@
               <a:pPr>
                 <a:defRPr/>
               </a:pPr>
-              <a:t>10/20/2017</a:t>
+              <a:t>10/23/2017</a:t>
             </a:fld>
             <a:endParaRPr lang="en-US" dirty="0"/>
           </a:p>
@@ -4276,7 +4280,7 @@
           <a:lstStyle/>
           <a:p>
             <a:r>
-              <a:rPr lang="en-US" smtClean="0"/>
+              <a:rPr lang="en-US"/>
               <a:t>Click to edit Master title style</a:t>
             </a:r>
             <a:endParaRPr lang="en-US" dirty="0"/>
@@ -4305,35 +4309,35 @@
           <a:p>
             <a:pPr lvl="0"/>
             <a:r>
-              <a:rPr lang="en-US" smtClean="0"/>
+              <a:rPr lang="en-US"/>
               <a:t>Click to edit Master text styles</a:t>
             </a:r>
           </a:p>
           <a:p>
             <a:pPr lvl="1"/>
             <a:r>
-              <a:rPr lang="en-US" smtClean="0"/>
+              <a:rPr lang="en-US"/>
               <a:t>Second level</a:t>
             </a:r>
           </a:p>
           <a:p>
             <a:pPr lvl="2"/>
             <a:r>
-              <a:rPr lang="en-US" smtClean="0"/>
+              <a:rPr lang="en-US"/>
               <a:t>Third level</a:t>
             </a:r>
           </a:p>
           <a:p>
             <a:pPr lvl="3"/>
             <a:r>
-              <a:rPr lang="en-US" smtClean="0"/>
+              <a:rPr lang="en-US"/>
               <a:t>Fourth level</a:t>
             </a:r>
           </a:p>
           <a:p>
             <a:pPr lvl="4"/>
             <a:r>
-              <a:rPr lang="en-US" smtClean="0"/>
+              <a:rPr lang="en-US"/>
               <a:t>Fifth level</a:t>
             </a:r>
             <a:endParaRPr lang="en-US" dirty="0"/>
@@ -4367,7 +4371,7 @@
               <a:pPr>
                 <a:defRPr/>
               </a:pPr>
-              <a:t>10/20/2017</a:t>
+              <a:t>10/23/2017</a:t>
             </a:fld>
             <a:endParaRPr lang="en-US" dirty="0"/>
           </a:p>
@@ -4537,10 +4541,9 @@
           </a:lstStyle>
           <a:p>
             <a:r>
-              <a:rPr lang="en-US" dirty="0" smtClean="0"/>
+              <a:rPr lang="en-US" dirty="0"/>
               <a:t>Click to edit Master title style</a:t>
             </a:r>
-            <a:endParaRPr lang="en-US" dirty="0"/>
           </a:p>
         </p:txBody>
       </p:sp>
@@ -4568,38 +4571,37 @@
           <a:p>
             <a:pPr lvl="0"/>
             <a:r>
-              <a:rPr lang="en-US" dirty="0" smtClean="0"/>
+              <a:rPr lang="en-US" dirty="0"/>
               <a:t>Click to edit Master text styles</a:t>
             </a:r>
           </a:p>
           <a:p>
             <a:pPr lvl="1"/>
             <a:r>
-              <a:rPr lang="en-US" dirty="0" smtClean="0"/>
+              <a:rPr lang="en-US" dirty="0"/>
               <a:t>Second level</a:t>
             </a:r>
           </a:p>
           <a:p>
             <a:pPr lvl="2"/>
             <a:r>
-              <a:rPr lang="en-US" dirty="0" smtClean="0"/>
+              <a:rPr lang="en-US" dirty="0"/>
               <a:t>Third level</a:t>
             </a:r>
           </a:p>
           <a:p>
             <a:pPr lvl="3"/>
             <a:r>
-              <a:rPr lang="en-US" dirty="0" smtClean="0"/>
+              <a:rPr lang="en-US" dirty="0"/>
               <a:t>Fourth level</a:t>
             </a:r>
           </a:p>
           <a:p>
             <a:pPr lvl="4"/>
             <a:r>
-              <a:rPr lang="en-US" dirty="0" smtClean="0"/>
+              <a:rPr lang="en-US" dirty="0"/>
               <a:t>Fifth level</a:t>
             </a:r>
-            <a:endParaRPr lang="en-US" dirty="0"/>
           </a:p>
         </p:txBody>
       </p:sp>
@@ -4630,7 +4632,7 @@
               <a:pPr>
                 <a:defRPr/>
               </a:pPr>
-              <a:t>10/20/2017</a:t>
+              <a:t>10/23/2017</a:t>
             </a:fld>
             <a:endParaRPr lang="en-US" dirty="0"/>
           </a:p>
@@ -4779,7 +4781,7 @@
           </a:lstStyle>
           <a:p>
             <a:r>
-              <a:rPr lang="en-US" smtClean="0"/>
+              <a:rPr lang="en-US"/>
               <a:t>Click to edit Master title style</a:t>
             </a:r>
             <a:endParaRPr lang="en-US" dirty="0"/>
@@ -4875,7 +4877,7 @@
           </a:lstStyle>
           <a:p>
             <a:r>
-              <a:rPr lang="en-US" smtClean="0"/>
+              <a:rPr lang="en-US"/>
               <a:t>Click to edit Master subtitle style</a:t>
             </a:r>
             <a:endParaRPr lang="en-US" dirty="0"/>
@@ -4909,7 +4911,7 @@
               <a:pPr>
                 <a:defRPr/>
               </a:pPr>
-              <a:t>10/20/2017</a:t>
+              <a:t>10/23/2017</a:t>
             </a:fld>
             <a:endParaRPr lang="en-US" dirty="0"/>
           </a:p>
@@ -5015,7 +5017,7 @@
           <a:lstStyle/>
           <a:p>
             <a:r>
-              <a:rPr lang="en-US" smtClean="0"/>
+              <a:rPr lang="en-US"/>
               <a:t>Click to edit Master title style</a:t>
             </a:r>
             <a:endParaRPr lang="en-US" dirty="0"/>
@@ -5044,35 +5046,35 @@
           <a:p>
             <a:pPr lvl="0"/>
             <a:r>
-              <a:rPr lang="en-US" smtClean="0"/>
+              <a:rPr lang="en-US"/>
               <a:t>Click to edit Master text styles</a:t>
             </a:r>
           </a:p>
           <a:p>
             <a:pPr lvl="1"/>
             <a:r>
-              <a:rPr lang="en-US" smtClean="0"/>
+              <a:rPr lang="en-US"/>
               <a:t>Second level</a:t>
             </a:r>
           </a:p>
           <a:p>
             <a:pPr lvl="2"/>
             <a:r>
-              <a:rPr lang="en-US" smtClean="0"/>
+              <a:rPr lang="en-US"/>
               <a:t>Third level</a:t>
             </a:r>
           </a:p>
           <a:p>
             <a:pPr lvl="3"/>
             <a:r>
-              <a:rPr lang="en-US" smtClean="0"/>
+              <a:rPr lang="en-US"/>
               <a:t>Fourth level</a:t>
             </a:r>
           </a:p>
           <a:p>
             <a:pPr lvl="4"/>
             <a:r>
-              <a:rPr lang="en-US" smtClean="0"/>
+              <a:rPr lang="en-US"/>
               <a:t>Fifth level</a:t>
             </a:r>
             <a:endParaRPr lang="en-US" dirty="0"/>
@@ -5101,35 +5103,35 @@
           <a:p>
             <a:pPr lvl="0"/>
             <a:r>
-              <a:rPr lang="en-US" smtClean="0"/>
+              <a:rPr lang="en-US"/>
               <a:t>Click to edit Master text styles</a:t>
             </a:r>
           </a:p>
           <a:p>
             <a:pPr lvl="1"/>
             <a:r>
-              <a:rPr lang="en-US" smtClean="0"/>
+              <a:rPr lang="en-US"/>
               <a:t>Second level</a:t>
             </a:r>
           </a:p>
           <a:p>
             <a:pPr lvl="2"/>
             <a:r>
-              <a:rPr lang="en-US" smtClean="0"/>
+              <a:rPr lang="en-US"/>
               <a:t>Third level</a:t>
             </a:r>
           </a:p>
           <a:p>
             <a:pPr lvl="3"/>
             <a:r>
-              <a:rPr lang="en-US" smtClean="0"/>
+              <a:rPr lang="en-US"/>
               <a:t>Fourth level</a:t>
             </a:r>
           </a:p>
           <a:p>
             <a:pPr lvl="4"/>
             <a:r>
-              <a:rPr lang="en-US" smtClean="0"/>
+              <a:rPr lang="en-US"/>
               <a:t>Fifth level</a:t>
             </a:r>
             <a:endParaRPr lang="en-US" dirty="0"/>
@@ -5163,7 +5165,7 @@
               <a:pPr>
                 <a:defRPr/>
               </a:pPr>
-              <a:t>10/20/2017</a:t>
+              <a:t>10/23/2017</a:t>
             </a:fld>
             <a:endParaRPr lang="en-US" dirty="0"/>
           </a:p>
@@ -5274,7 +5276,7 @@
           <a:lstStyle/>
           <a:p>
             <a:r>
-              <a:rPr lang="en-US" smtClean="0"/>
+              <a:rPr lang="en-US"/>
               <a:t>Click to edit Master title style</a:t>
             </a:r>
             <a:endParaRPr lang="en-US" dirty="0"/>
@@ -5369,7 +5371,7 @@
           <a:p>
             <a:pPr lvl="0"/>
             <a:r>
-              <a:rPr lang="en-US" smtClean="0"/>
+              <a:rPr lang="en-US"/>
               <a:t>Click to edit Master text styles</a:t>
             </a:r>
           </a:p>
@@ -5397,35 +5399,35 @@
           <a:p>
             <a:pPr lvl="0"/>
             <a:r>
-              <a:rPr lang="en-US" smtClean="0"/>
+              <a:rPr lang="en-US"/>
               <a:t>Click to edit Master text styles</a:t>
             </a:r>
           </a:p>
           <a:p>
             <a:pPr lvl="1"/>
             <a:r>
-              <a:rPr lang="en-US" smtClean="0"/>
+              <a:rPr lang="en-US"/>
               <a:t>Second level</a:t>
             </a:r>
           </a:p>
           <a:p>
             <a:pPr lvl="2"/>
             <a:r>
-              <a:rPr lang="en-US" smtClean="0"/>
+              <a:rPr lang="en-US"/>
               <a:t>Third level</a:t>
             </a:r>
           </a:p>
           <a:p>
             <a:pPr lvl="3"/>
             <a:r>
-              <a:rPr lang="en-US" smtClean="0"/>
+              <a:rPr lang="en-US"/>
               <a:t>Fourth level</a:t>
             </a:r>
           </a:p>
           <a:p>
             <a:pPr lvl="4"/>
             <a:r>
-              <a:rPr lang="en-US" smtClean="0"/>
+              <a:rPr lang="en-US"/>
               <a:t>Fifth level</a:t>
             </a:r>
             <a:endParaRPr lang="en-US" dirty="0"/>
@@ -5488,7 +5490,7 @@
           <a:p>
             <a:pPr lvl="0"/>
             <a:r>
-              <a:rPr lang="en-US" smtClean="0"/>
+              <a:rPr lang="en-US"/>
               <a:t>Click to edit Master text styles</a:t>
             </a:r>
           </a:p>
@@ -5516,35 +5518,35 @@
           <a:p>
             <a:pPr lvl="0"/>
             <a:r>
-              <a:rPr lang="en-US" smtClean="0"/>
+              <a:rPr lang="en-US"/>
               <a:t>Click to edit Master text styles</a:t>
             </a:r>
           </a:p>
           <a:p>
             <a:pPr lvl="1"/>
             <a:r>
-              <a:rPr lang="en-US" smtClean="0"/>
+              <a:rPr lang="en-US"/>
               <a:t>Second level</a:t>
             </a:r>
           </a:p>
           <a:p>
             <a:pPr lvl="2"/>
             <a:r>
-              <a:rPr lang="en-US" smtClean="0"/>
+              <a:rPr lang="en-US"/>
               <a:t>Third level</a:t>
             </a:r>
           </a:p>
           <a:p>
             <a:pPr lvl="3"/>
             <a:r>
-              <a:rPr lang="en-US" smtClean="0"/>
+              <a:rPr lang="en-US"/>
               <a:t>Fourth level</a:t>
             </a:r>
           </a:p>
           <a:p>
             <a:pPr lvl="4"/>
             <a:r>
-              <a:rPr lang="en-US" smtClean="0"/>
+              <a:rPr lang="en-US"/>
               <a:t>Fifth level</a:t>
             </a:r>
             <a:endParaRPr lang="en-US" dirty="0"/>
@@ -5578,7 +5580,7 @@
               <a:pPr>
                 <a:defRPr/>
               </a:pPr>
-              <a:t>10/20/2017</a:t>
+              <a:t>10/23/2017</a:t>
             </a:fld>
             <a:endParaRPr lang="en-US" dirty="0"/>
           </a:p>
@@ -5684,7 +5686,7 @@
           <a:lstStyle/>
           <a:p>
             <a:r>
-              <a:rPr lang="en-US" smtClean="0"/>
+              <a:rPr lang="en-US"/>
               <a:t>Click to edit Master title style</a:t>
             </a:r>
             <a:endParaRPr lang="en-US" dirty="0"/>
@@ -5718,7 +5720,7 @@
               <a:pPr>
                 <a:defRPr/>
               </a:pPr>
-              <a:t>10/20/2017</a:t>
+              <a:t>10/23/2017</a:t>
             </a:fld>
             <a:endParaRPr lang="en-US" dirty="0"/>
           </a:p>
@@ -5835,7 +5837,7 @@
               <a:pPr>
                 <a:defRPr/>
               </a:pPr>
-              <a:t>10/20/2017</a:t>
+              <a:t>10/23/2017</a:t>
             </a:fld>
             <a:endParaRPr lang="en-US" dirty="0"/>
           </a:p>
@@ -5950,7 +5952,7 @@
           </a:lstStyle>
           <a:p>
             <a:r>
-              <a:rPr lang="en-US" smtClean="0"/>
+              <a:rPr lang="en-US"/>
               <a:t>Click to edit Master title style</a:t>
             </a:r>
             <a:endParaRPr lang="en-US" dirty="0"/>
@@ -5979,35 +5981,35 @@
           <a:p>
             <a:pPr lvl="0"/>
             <a:r>
-              <a:rPr lang="en-US" smtClean="0"/>
+              <a:rPr lang="en-US"/>
               <a:t>Click to edit Master text styles</a:t>
             </a:r>
           </a:p>
           <a:p>
             <a:pPr lvl="1"/>
             <a:r>
-              <a:rPr lang="en-US" smtClean="0"/>
+              <a:rPr lang="en-US"/>
               <a:t>Second level</a:t>
             </a:r>
           </a:p>
           <a:p>
             <a:pPr lvl="2"/>
             <a:r>
-              <a:rPr lang="en-US" smtClean="0"/>
+              <a:rPr lang="en-US"/>
               <a:t>Third level</a:t>
             </a:r>
           </a:p>
           <a:p>
             <a:pPr lvl="3"/>
             <a:r>
-              <a:rPr lang="en-US" smtClean="0"/>
+              <a:rPr lang="en-US"/>
               <a:t>Fourth level</a:t>
             </a:r>
           </a:p>
           <a:p>
             <a:pPr lvl="4"/>
             <a:r>
-              <a:rPr lang="en-US" smtClean="0"/>
+              <a:rPr lang="en-US"/>
               <a:t>Fifth level</a:t>
             </a:r>
             <a:endParaRPr lang="en-US" dirty="0"/>
@@ -6099,7 +6101,7 @@
           <a:p>
             <a:pPr lvl="0"/>
             <a:r>
-              <a:rPr lang="en-US" smtClean="0"/>
+              <a:rPr lang="en-US"/>
               <a:t>Click to edit Master text styles</a:t>
             </a:r>
           </a:p>
@@ -6132,7 +6134,7 @@
               <a:pPr>
                 <a:defRPr/>
               </a:pPr>
-              <a:t>10/20/2017</a:t>
+              <a:t>10/23/2017</a:t>
             </a:fld>
             <a:endParaRPr lang="en-US" dirty="0"/>
           </a:p>
@@ -6247,7 +6249,7 @@
           </a:lstStyle>
           <a:p>
             <a:r>
-              <a:rPr lang="en-US" smtClean="0"/>
+              <a:rPr lang="en-US"/>
               <a:t>Click to edit Master title style</a:t>
             </a:r>
             <a:endParaRPr lang="en-US" dirty="0"/>
@@ -6315,7 +6317,7 @@
           <a:p>
             <a:pPr lvl="0"/>
             <a:r>
-              <a:rPr lang="en-US" noProof="0" smtClean="0"/>
+              <a:rPr lang="en-US" noProof="0"/>
               <a:t>Click icon to add picture</a:t>
             </a:r>
             <a:endParaRPr lang="en-US" noProof="0" dirty="0"/>
@@ -6407,7 +6409,7 @@
           <a:p>
             <a:pPr lvl="0"/>
             <a:r>
-              <a:rPr lang="en-US" smtClean="0"/>
+              <a:rPr lang="en-US"/>
               <a:t>Click to edit Master text styles</a:t>
             </a:r>
           </a:p>
@@ -6440,7 +6442,7 @@
               <a:pPr>
                 <a:defRPr/>
               </a:pPr>
-              <a:t>10/20/2017</a:t>
+              <a:t>10/23/2017</a:t>
             </a:fld>
             <a:endParaRPr lang="en-US" dirty="0"/>
           </a:p>
@@ -6590,7 +6592,7 @@
           <a:p>
             <a:pPr lvl="0"/>
             <a:r>
-              <a:rPr lang="en-US" altLang="en-US" smtClean="0"/>
+              <a:rPr lang="en-US" altLang="en-US"/>
               <a:t>Click to edit Master title style</a:t>
             </a:r>
           </a:p>
@@ -6648,35 +6650,35 @@
           <a:p>
             <a:pPr lvl="0"/>
             <a:r>
-              <a:rPr lang="en-US" altLang="en-US" smtClean="0"/>
+              <a:rPr lang="en-US" altLang="en-US"/>
               <a:t>Click to edit Master text styles</a:t>
             </a:r>
           </a:p>
           <a:p>
             <a:pPr lvl="1"/>
             <a:r>
-              <a:rPr lang="en-US" altLang="en-US" smtClean="0"/>
+              <a:rPr lang="en-US" altLang="en-US"/>
               <a:t>Second level</a:t>
             </a:r>
           </a:p>
           <a:p>
             <a:pPr lvl="2"/>
             <a:r>
-              <a:rPr lang="en-US" altLang="en-US" smtClean="0"/>
+              <a:rPr lang="en-US" altLang="en-US"/>
               <a:t>Third level</a:t>
             </a:r>
           </a:p>
           <a:p>
             <a:pPr lvl="3"/>
             <a:r>
-              <a:rPr lang="en-US" altLang="en-US" smtClean="0"/>
+              <a:rPr lang="en-US" altLang="en-US"/>
               <a:t>Fourth level</a:t>
             </a:r>
           </a:p>
           <a:p>
             <a:pPr lvl="4"/>
             <a:r>
-              <a:rPr lang="en-US" altLang="en-US" smtClean="0"/>
+              <a:rPr lang="en-US" altLang="en-US"/>
               <a:t>Fifth level</a:t>
             </a:r>
           </a:p>
@@ -6749,7 +6751,7 @@
               <a:pPr>
                 <a:defRPr/>
               </a:pPr>
-              <a:t>10/20/2017</a:t>
+              <a:t>10/23/2017</a:t>
             </a:fld>
             <a:endParaRPr lang="en-US" dirty="0"/>
           </a:p>
@@ -7915,18 +7917,13 @@
               <a:buNone/>
             </a:pPr>
             <a:r>
-              <a:rPr lang="en-US" altLang="en-US" dirty="0" smtClean="0">
+              <a:rPr lang="en-US" altLang="en-US" dirty="0">
                 <a:solidFill>
                   <a:srgbClr val="FFC000"/>
                 </a:solidFill>
               </a:rPr>
               <a:t>Running MPs</a:t>
             </a:r>
-            <a:endParaRPr lang="en-US" altLang="en-US" dirty="0">
-              <a:solidFill>
-                <a:srgbClr val="FFC000"/>
-              </a:solidFill>
-            </a:endParaRPr>
           </a:p>
         </p:txBody>
       </p:sp>
@@ -8144,34 +8141,10 @@
                   <a:srgbClr val="FFC000"/>
                 </a:solidFill>
               </a:rPr>
-              <a:t>Lecture </a:t>
-            </a:r>
-            <a:r>
-              <a:rPr lang="en-US" altLang="en-US" sz="1800" dirty="0" smtClean="0">
-                <a:solidFill>
-                  <a:srgbClr val="FFC000"/>
-                </a:solidFill>
-              </a:rPr>
-              <a:t>3d,  </a:t>
-            </a:r>
-            <a:r>
-              <a:rPr lang="en-US" altLang="en-US" sz="1800" dirty="0">
-                <a:solidFill>
-                  <a:srgbClr val="FFC000"/>
-                </a:solidFill>
-              </a:rPr>
-              <a:t>Nov </a:t>
-            </a:r>
-            <a:r>
-              <a:rPr lang="en-US" altLang="en-US" sz="1800" dirty="0" smtClean="0">
-                <a:solidFill>
-                  <a:srgbClr val="FFC000"/>
-                </a:solidFill>
-              </a:rPr>
-              <a:t>8</a:t>
-            </a:r>
-            <a:r>
-              <a:rPr lang="en-US" altLang="en-US" sz="1800" baseline="30000" dirty="0" smtClean="0">
+              <a:t>Lecture 3d,  Nov 8</a:t>
+            </a:r>
+            <a:r>
+              <a:rPr lang="en-US" altLang="en-US" sz="1800" baseline="30000" dirty="0">
                 <a:solidFill>
                   <a:srgbClr val="FFC000"/>
                 </a:solidFill>
@@ -8179,20 +8152,12 @@
               <a:t>th</a:t>
             </a:r>
             <a:r>
-              <a:rPr lang="en-US" altLang="en-US" sz="1800" dirty="0" smtClean="0">
+              <a:rPr lang="en-US" altLang="en-US" sz="1800" dirty="0">
                 <a:solidFill>
                   <a:srgbClr val="FFC000"/>
                 </a:solidFill>
               </a:rPr>
-              <a:t> </a:t>
-            </a:r>
-            <a:r>
-              <a:rPr lang="en-US" altLang="en-US" sz="1800" dirty="0">
-                <a:solidFill>
-                  <a:srgbClr val="FFC000"/>
-                </a:solidFill>
-              </a:rPr>
-              <a:t>2017</a:t>
+              <a:t> 2017</a:t>
             </a:r>
           </a:p>
         </p:txBody>
@@ -8453,7 +8418,7 @@
           <p:cNvPr id="4" name="Picture 3">
             <a:extLst>
               <a:ext uri="{FF2B5EF4-FFF2-40B4-BE49-F238E27FC236}">
-                <a16:creationId xmlns:a16="http://schemas.microsoft.com/office/drawing/2014/main" xmlns="" id="{C65DC03F-AEEF-4777-8132-3DBBB17CD723}"/>
+                <a16:creationId xmlns:a16="http://schemas.microsoft.com/office/drawing/2014/main" id="{C65DC03F-AEEF-4777-8132-3DBBB17CD723}"/>
               </a:ext>
             </a:extLst>
           </p:cNvPr>
@@ -8488,13 +8453,6 @@
   <p:clrMapOvr>
     <a:masterClrMapping/>
   </p:clrMapOvr>
-  <p:timing>
-    <p:tnLst>
-      <p:par>
-        <p:cTn id="1" dur="indefinite" restart="never" nodeType="tmRoot"/>
-      </p:par>
-    </p:tnLst>
-  </p:timing>
 </p:sld>
 </file>
 
@@ -8536,10 +8494,9 @@
           <a:lstStyle/>
           <a:p>
             <a:r>
-              <a:rPr lang="en-CA" dirty="0" smtClean="0"/>
+              <a:rPr lang="en-CA" dirty="0"/>
               <a:t>Sensitivity analysis: Sense()</a:t>
             </a:r>
-            <a:endParaRPr lang="en-CA" dirty="0"/>
           </a:p>
         </p:txBody>
       </p:sp>
@@ -8777,10 +8734,9 @@
           <a:lstStyle/>
           <a:p>
             <a:r>
-              <a:rPr lang="en-CA" dirty="0" smtClean="0"/>
+              <a:rPr lang="en-CA" dirty="0"/>
               <a:t>Getting help with Data objects</a:t>
             </a:r>
-            <a:endParaRPr lang="en-CA" dirty="0"/>
           </a:p>
         </p:txBody>
       </p:sp>
@@ -8814,7 +8770,7 @@
               <a:buNone/>
             </a:pPr>
             <a:r>
-              <a:rPr lang="en-CA" dirty="0" smtClean="0">
+              <a:rPr lang="en-CA" dirty="0">
                 <a:solidFill>
                   <a:srgbClr val="0070C0"/>
                 </a:solidFill>
@@ -8822,7 +8778,7 @@
               <a:t>Cheat sheets for objects:    </a:t>
             </a:r>
             <a:r>
-              <a:rPr lang="en-CA" dirty="0" smtClean="0">
+              <a:rPr lang="en-CA" dirty="0">
                 <a:solidFill>
                   <a:srgbClr val="27AFE5"/>
                 </a:solidFill>
@@ -8841,7 +8797,7 @@
               <a:buNone/>
             </a:pPr>
             <a:r>
-              <a:rPr lang="en-CA" dirty="0" smtClean="0">
+              <a:rPr lang="en-CA" dirty="0">
                 <a:solidFill>
                   <a:srgbClr val="0070C0"/>
                 </a:solidFill>
@@ -8849,7 +8805,7 @@
               <a:t>Examples:                   </a:t>
             </a:r>
             <a:r>
-              <a:rPr lang="en-CA" dirty="0" smtClean="0">
+              <a:rPr lang="en-CA" dirty="0">
                 <a:solidFill>
                   <a:srgbClr val="27AFE5"/>
                 </a:solidFill>
@@ -8865,7 +8821,7 @@
               <a:buNone/>
             </a:pPr>
             <a:r>
-              <a:rPr lang="en-CA" dirty="0" smtClean="0">
+              <a:rPr lang="en-CA" dirty="0">
                 <a:solidFill>
                   <a:srgbClr val="0070C0"/>
                 </a:solidFill>
@@ -8873,7 +8829,7 @@
               <a:t>R package help: </a:t>
             </a:r>
             <a:r>
-              <a:rPr lang="en-CA" dirty="0" smtClean="0">
+              <a:rPr lang="en-CA" dirty="0">
                 <a:solidFill>
                   <a:srgbClr val="27AFE5"/>
                 </a:solidFill>
@@ -8881,14 +8837,14 @@
               <a:t>			</a:t>
             </a:r>
             <a:r>
-              <a:rPr lang="en-CA" dirty="0" err="1" smtClean="0">
+              <a:rPr lang="en-CA" dirty="0" err="1">
                 <a:solidFill>
                   <a:srgbClr val="00B050"/>
                 </a:solidFill>
               </a:rPr>
               <a:t>class?Data</a:t>
             </a:r>
-            <a:endParaRPr lang="en-CA" dirty="0" smtClean="0">
+            <a:endParaRPr lang="en-CA" dirty="0">
               <a:solidFill>
                 <a:srgbClr val="00B050"/>
               </a:solidFill>
@@ -8902,7 +8858,7 @@
               <a:buNone/>
             </a:pPr>
             <a:r>
-              <a:rPr lang="en-CA" dirty="0" smtClean="0">
+              <a:rPr lang="en-CA" dirty="0">
                 <a:solidFill>
                   <a:srgbClr val="00B050"/>
                 </a:solidFill>
@@ -8918,7 +8874,7 @@
               <a:buNone/>
             </a:pPr>
             <a:r>
-              <a:rPr lang="en-CA" dirty="0" smtClean="0">
+              <a:rPr lang="en-CA" dirty="0">
                 <a:solidFill>
                   <a:srgbClr val="00B050"/>
                 </a:solidFill>
@@ -8934,26 +8890,18 @@
               <a:buNone/>
             </a:pPr>
             <a:r>
-              <a:rPr lang="en-CA" dirty="0" smtClean="0"/>
+              <a:rPr lang="en-CA" dirty="0"/>
               <a:t>Online help:</a:t>
             </a:r>
             <a:r>
-              <a:rPr lang="en-CA" dirty="0" smtClean="0">
+              <a:rPr lang="en-CA" dirty="0">
                 <a:solidFill>
                   <a:srgbClr val="27AFE5"/>
                 </a:solidFill>
               </a:rPr>
-              <a:t>   https</a:t>
-            </a:r>
-            <a:r>
-              <a:rPr lang="en-CA" dirty="0">
-                <a:solidFill>
-                  <a:srgbClr val="27AFE5"/>
-                </a:solidFill>
-              </a:rPr>
-              <a:t>://dlmtool.github.io/DLMtool/index.html</a:t>
-            </a:r>
-            <a:endParaRPr lang="en-CA" dirty="0" smtClean="0">
+              <a:t>   https://dlmtool.github.io/DLMtool/index.html</a:t>
+            </a:r>
+            <a:endParaRPr lang="en-CA" dirty="0">
               <a:solidFill>
                 <a:srgbClr val="00B050"/>
               </a:solidFill>
@@ -8996,13 +8944,6 @@
   <p:clrMapOvr>
     <a:masterClrMapping/>
   </p:clrMapOvr>
-  <p:timing>
-    <p:tnLst>
-      <p:par>
-        <p:cTn id="1" dur="indefinite" restart="never" nodeType="tmRoot"/>
-      </p:par>
-    </p:tnLst>
-  </p:timing>
 </p:sld>
 </file>
 
@@ -9039,10 +8980,9 @@
           <a:lstStyle/>
           <a:p>
             <a:r>
-              <a:rPr lang="en-CA" dirty="0" smtClean="0"/>
+              <a:rPr lang="en-CA" dirty="0"/>
               <a:t>Handy commands</a:t>
             </a:r>
-            <a:endParaRPr lang="en-CA" dirty="0"/>
           </a:p>
         </p:txBody>
       </p:sp>
@@ -9070,7 +9010,7 @@
               <a:buNone/>
             </a:pPr>
             <a:r>
-              <a:rPr lang="en-CA" dirty="0" smtClean="0"/>
+              <a:rPr lang="en-CA" dirty="0"/>
               <a:t>avail(Class name)</a:t>
             </a:r>
           </a:p>
@@ -9079,7 +9019,7 @@
               <a:buNone/>
             </a:pPr>
             <a:r>
-              <a:rPr lang="en-CA" dirty="0" smtClean="0"/>
+              <a:rPr lang="en-CA" dirty="0"/>
               <a:t>Can(Data object)</a:t>
             </a:r>
           </a:p>
@@ -9088,7 +9028,7 @@
               <a:buNone/>
             </a:pPr>
             <a:r>
-              <a:rPr lang="en-CA" dirty="0" smtClean="0"/>
+              <a:rPr lang="en-CA" dirty="0"/>
               <a:t>Cant(Data object)</a:t>
             </a:r>
           </a:p>
@@ -9097,7 +9037,7 @@
               <a:buNone/>
             </a:pPr>
             <a:r>
-              <a:rPr lang="en-CA" dirty="0" smtClean="0"/>
+              <a:rPr lang="en-CA" dirty="0"/>
               <a:t>Needed(Data object)</a:t>
             </a:r>
           </a:p>
@@ -9106,7 +9046,7 @@
               <a:buNone/>
             </a:pPr>
             <a:r>
-              <a:rPr lang="en-CA" dirty="0" smtClean="0"/>
+              <a:rPr lang="en-CA" dirty="0"/>
               <a:t>TAC(Data object)</a:t>
             </a:r>
           </a:p>
@@ -9115,7 +9055,7 @@
               <a:buNone/>
             </a:pPr>
             <a:r>
-              <a:rPr lang="en-CA" dirty="0" smtClean="0"/>
+              <a:rPr lang="en-CA" dirty="0"/>
               <a:t>Input(Data object)</a:t>
             </a:r>
           </a:p>
@@ -9124,7 +9064,7 @@
               <a:buNone/>
             </a:pPr>
             <a:r>
-              <a:rPr lang="en-CA" dirty="0" smtClean="0"/>
+              <a:rPr lang="en-CA" dirty="0"/>
               <a:t>boxplot(object made by TAC)</a:t>
             </a:r>
           </a:p>
@@ -9133,7 +9073,7 @@
               <a:buNone/>
             </a:pPr>
             <a:r>
-              <a:rPr lang="en-CA" dirty="0" smtClean="0"/>
+              <a:rPr lang="en-CA" dirty="0"/>
               <a:t>plot(object made by TAC)</a:t>
             </a:r>
           </a:p>
@@ -9385,7 +9325,7 @@
               <a:buNone/>
             </a:pPr>
             <a:r>
-              <a:rPr lang="en-CA" dirty="0" smtClean="0">
+              <a:rPr lang="en-CA" dirty="0">
                 <a:solidFill>
                   <a:srgbClr val="00B050"/>
                 </a:solidFill>
@@ -9399,7 +9339,7 @@
               <a:buNone/>
             </a:pPr>
             <a:r>
-              <a:rPr lang="en-CA" dirty="0" smtClean="0">
+              <a:rPr lang="en-CA" dirty="0">
                 <a:solidFill>
                   <a:srgbClr val="00B050"/>
                 </a:solidFill>
@@ -9407,7 +9347,7 @@
               <a:t>Can(</a:t>
             </a:r>
             <a:r>
-              <a:rPr lang="en-CA" dirty="0" err="1" smtClean="0">
+              <a:rPr lang="en-CA" dirty="0" err="1">
                 <a:solidFill>
                   <a:srgbClr val="00B050"/>
                 </a:solidFill>
@@ -9415,7 +9355,7 @@
               <a:t>Red_snapper</a:t>
             </a:r>
             <a:r>
-              <a:rPr lang="en-CA" dirty="0" smtClean="0">
+              <a:rPr lang="en-CA" dirty="0">
                 <a:solidFill>
                   <a:srgbClr val="00B050"/>
                 </a:solidFill>
@@ -9428,7 +9368,7 @@
               <a:buNone/>
             </a:pPr>
             <a:r>
-              <a:rPr lang="en-CA" dirty="0" smtClean="0">
+              <a:rPr lang="en-CA" dirty="0">
                 <a:solidFill>
                   <a:srgbClr val="00B050"/>
                 </a:solidFill>
@@ -9444,7 +9384,7 @@
               <a:t>Red_snapper</a:t>
             </a:r>
             <a:r>
-              <a:rPr lang="en-CA" dirty="0" smtClean="0">
+              <a:rPr lang="en-CA" dirty="0">
                 <a:solidFill>
                   <a:srgbClr val="00B050"/>
                 </a:solidFill>
@@ -9457,7 +9397,7 @@
               <a:buNone/>
             </a:pPr>
             <a:r>
-              <a:rPr lang="en-CA" dirty="0" smtClean="0">
+              <a:rPr lang="en-CA" dirty="0">
                 <a:solidFill>
                   <a:srgbClr val="00B050"/>
                 </a:solidFill>
@@ -9473,7 +9413,7 @@
               <a:t>Red_snapper</a:t>
             </a:r>
             <a:r>
-              <a:rPr lang="en-CA" dirty="0" smtClean="0">
+              <a:rPr lang="en-CA" dirty="0">
                 <a:solidFill>
                   <a:srgbClr val="00B050"/>
                 </a:solidFill>
@@ -9486,7 +9426,7 @@
               <a:buNone/>
             </a:pPr>
             <a:r>
-              <a:rPr lang="en-CA" dirty="0" err="1" smtClean="0">
+              <a:rPr lang="en-CA" dirty="0" err="1">
                 <a:solidFill>
                   <a:srgbClr val="00B050"/>
                 </a:solidFill>
@@ -9494,7 +9434,7 @@
               <a:t>myTAC</a:t>
             </a:r>
             <a:r>
-              <a:rPr lang="en-CA" dirty="0" smtClean="0">
+              <a:rPr lang="en-CA" dirty="0">
                 <a:solidFill>
                   <a:srgbClr val="00B050"/>
                 </a:solidFill>
@@ -9502,7 +9442,7 @@
               <a:t> = TAC(</a:t>
             </a:r>
             <a:r>
-              <a:rPr lang="en-CA" dirty="0" err="1" smtClean="0">
+              <a:rPr lang="en-CA" dirty="0" err="1">
                 <a:solidFill>
                   <a:srgbClr val="00B050"/>
                 </a:solidFill>
@@ -9510,7 +9450,7 @@
               <a:t>Red_snapper</a:t>
             </a:r>
             <a:r>
-              <a:rPr lang="en-CA" dirty="0" smtClean="0">
+              <a:rPr lang="en-CA" dirty="0">
                 <a:solidFill>
                   <a:srgbClr val="00B050"/>
                 </a:solidFill>
@@ -9523,7 +9463,7 @@
               <a:buNone/>
             </a:pPr>
             <a:r>
-              <a:rPr lang="en-CA" dirty="0" smtClean="0">
+              <a:rPr lang="en-CA" dirty="0">
                 <a:solidFill>
                   <a:srgbClr val="00B050"/>
                 </a:solidFill>
@@ -9539,7 +9479,7 @@
               <a:t>Red_snapper</a:t>
             </a:r>
             <a:r>
-              <a:rPr lang="en-CA" dirty="0" smtClean="0">
+              <a:rPr lang="en-CA" dirty="0">
                 <a:solidFill>
                   <a:srgbClr val="00B050"/>
                 </a:solidFill>
@@ -9552,7 +9492,7 @@
               <a:buNone/>
             </a:pPr>
             <a:r>
-              <a:rPr lang="en-CA" dirty="0" smtClean="0">
+              <a:rPr lang="en-CA" dirty="0">
                 <a:solidFill>
                   <a:srgbClr val="00B050"/>
                 </a:solidFill>
@@ -9560,7 +9500,7 @@
               <a:t>boxplot(</a:t>
             </a:r>
             <a:r>
-              <a:rPr lang="en-CA" dirty="0" err="1" smtClean="0">
+              <a:rPr lang="en-CA" dirty="0" err="1">
                 <a:solidFill>
                   <a:srgbClr val="00B050"/>
                 </a:solidFill>
@@ -9568,7 +9508,7 @@
               <a:t>myTAC</a:t>
             </a:r>
             <a:r>
-              <a:rPr lang="en-CA" dirty="0" smtClean="0">
+              <a:rPr lang="en-CA" dirty="0">
                 <a:solidFill>
                   <a:srgbClr val="00B050"/>
                 </a:solidFill>
@@ -9581,7 +9521,7 @@
               <a:buNone/>
             </a:pPr>
             <a:r>
-              <a:rPr lang="en-CA" dirty="0" smtClean="0">
+              <a:rPr lang="en-CA" dirty="0">
                 <a:solidFill>
                   <a:srgbClr val="00B050"/>
                 </a:solidFill>
@@ -9597,7 +9537,7 @@
               <a:t>myTAC</a:t>
             </a:r>
             <a:r>
-              <a:rPr lang="en-CA" dirty="0" smtClean="0">
+              <a:rPr lang="en-CA" dirty="0">
                 <a:solidFill>
                   <a:srgbClr val="00B050"/>
                 </a:solidFill>
@@ -9656,13 +9596,6 @@
   <p:clrMapOvr>
     <a:masterClrMapping/>
   </p:clrMapOvr>
-  <p:timing>
-    <p:tnLst>
-      <p:par>
-        <p:cTn id="1" dur="indefinite" restart="never" nodeType="tmRoot"/>
-      </p:par>
-    </p:tnLst>
-  </p:timing>
 </p:sld>
 </file>
 
@@ -9705,7 +9638,7 @@
           <a:p>
             <a:pPr eaLnBrk="1" hangingPunct="1"/>
             <a:r>
-              <a:rPr lang="en-CA" altLang="en-US" dirty="0" smtClean="0">
+              <a:rPr lang="en-CA" altLang="en-US" dirty="0">
                 <a:solidFill>
                   <a:srgbClr val="F6BB00"/>
                 </a:solidFill>
@@ -9743,7 +9676,7 @@
               <a:buAutoNum type="arabicPeriod"/>
             </a:pPr>
             <a:r>
-              <a:rPr lang="en-CA" altLang="en-US" sz="2800" dirty="0" smtClean="0">
+              <a:rPr lang="en-CA" altLang="en-US" sz="2800" dirty="0">
                 <a:solidFill>
                   <a:srgbClr val="27AFE5"/>
                 </a:solidFill>
@@ -9760,7 +9693,7 @@
               <a:buAutoNum type="arabicPeriod"/>
             </a:pPr>
             <a:r>
-              <a:rPr lang="en-CA" altLang="en-US" sz="2800" dirty="0" smtClean="0">
+              <a:rPr lang="en-CA" altLang="en-US" sz="2800" dirty="0">
                 <a:solidFill>
                   <a:srgbClr val="27AFE5"/>
                 </a:solidFill>
@@ -9777,7 +9710,7 @@
               <a:buAutoNum type="arabicPeriod"/>
             </a:pPr>
             <a:r>
-              <a:rPr lang="en-CA" altLang="en-US" sz="2800" dirty="0" smtClean="0">
+              <a:rPr lang="en-CA" altLang="en-US" sz="2800" dirty="0">
                 <a:solidFill>
                   <a:srgbClr val="27AFE5"/>
                 </a:solidFill>
@@ -9792,13 +9725,6 @@
   <p:clrMapOvr>
     <a:masterClrMapping/>
   </p:clrMapOvr>
-  <p:timing>
-    <p:tnLst>
-      <p:par>
-        <p:cTn id="1" dur="indefinite" restart="never" nodeType="tmRoot"/>
-      </p:par>
-    </p:tnLst>
-  </p:timing>
 </p:sld>
 </file>
 
@@ -9835,10 +9761,9 @@
           <a:lstStyle/>
           <a:p>
             <a:r>
-              <a:rPr lang="en-CA" dirty="0" smtClean="0"/>
+              <a:rPr lang="en-CA" dirty="0"/>
               <a:t>Diagnosing data-MP compatibility</a:t>
             </a:r>
-            <a:endParaRPr lang="en-CA" dirty="0"/>
           </a:p>
         </p:txBody>
       </p:sp>
@@ -9869,24 +9794,8 @@
               <a:buNone/>
             </a:pPr>
             <a:r>
-              <a:rPr lang="en-CA" dirty="0" smtClean="0"/>
-              <a:t>In most data-limited fisheries it is likely that </a:t>
-            </a:r>
-            <a:r>
               <a:rPr lang="en-CA" dirty="0"/>
-              <a:t>some slots in a Data object </a:t>
-            </a:r>
-            <a:r>
-              <a:rPr lang="en-CA" dirty="0" smtClean="0"/>
-              <a:t>are </a:t>
-            </a:r>
-            <a:r>
-              <a:rPr lang="en-CA" dirty="0"/>
-              <a:t>missing data and assigned an ‘NA’ </a:t>
-            </a:r>
-            <a:r>
-              <a:rPr lang="en-CA" dirty="0" smtClean="0"/>
-              <a:t>value.</a:t>
+              <a:t>In most data-limited fisheries it is likely that some slots in a Data object are missing data and assigned an ‘NA’ value.</a:t>
             </a:r>
           </a:p>
           <a:p>
@@ -9897,7 +9806,7 @@
               <a:buNone/>
             </a:pPr>
             <a:r>
-              <a:rPr lang="en-CA" dirty="0" smtClean="0"/>
+              <a:rPr lang="en-CA" dirty="0"/>
               <a:t>DLMtool has a series of functions to check which MPs can be applied to a given dataset:</a:t>
             </a:r>
           </a:p>
@@ -9909,7 +9818,7 @@
               <a:buNone/>
             </a:pPr>
             <a:r>
-              <a:rPr lang="en-CA" b="1" dirty="0" smtClean="0">
+              <a:rPr lang="en-CA" b="1" dirty="0">
                 <a:solidFill>
                   <a:srgbClr val="00B050"/>
                 </a:solidFill>
@@ -9917,7 +9826,7 @@
               <a:t>Can()   </a:t>
             </a:r>
             <a:r>
-              <a:rPr lang="en-CA" dirty="0" smtClean="0"/>
+              <a:rPr lang="en-CA" dirty="0"/>
               <a:t>	a list of MPs that can be applied</a:t>
             </a:r>
           </a:p>
@@ -9929,7 +9838,7 @@
               <a:buNone/>
             </a:pPr>
             <a:r>
-              <a:rPr lang="en-CA" b="1" dirty="0" smtClean="0">
+              <a:rPr lang="en-CA" b="1" dirty="0">
                 <a:solidFill>
                   <a:srgbClr val="00B050"/>
                 </a:solidFill>
@@ -9937,7 +9846,7 @@
               <a:t>Cant() </a:t>
             </a:r>
             <a:r>
-              <a:rPr lang="en-CA" dirty="0" smtClean="0"/>
+              <a:rPr lang="en-CA" dirty="0"/>
               <a:t>	a list of MPs that cannot be applied and an 			explanation of why not</a:t>
             </a:r>
           </a:p>
@@ -9949,7 +9858,7 @@
               <a:buNone/>
             </a:pPr>
             <a:r>
-              <a:rPr lang="en-CA" b="1" dirty="0" smtClean="0">
+              <a:rPr lang="en-CA" b="1" dirty="0">
                 <a:solidFill>
                   <a:srgbClr val="00B050"/>
                 </a:solidFill>
@@ -9957,10 +9866,17 @@
               <a:t>Needed()  </a:t>
             </a:r>
             <a:r>
-              <a:rPr lang="en-CA" dirty="0" smtClean="0"/>
-              <a:t>the additional data needed for every MP that `		can’t be applied </a:t>
-            </a:r>
-            <a:endParaRPr lang="en-CA" dirty="0"/>
+              <a:rPr lang="en-CA" dirty="0"/>
+              <a:t>the additional data needed for every </a:t>
+            </a:r>
+            <a:r>
+              <a:rPr lang="en-CA"/>
+              <a:t>MP that</a:t>
+            </a:r>
+            <a:r>
+              <a:rPr lang="en-CA" dirty="0"/>
+              <a:t>		can’t be applied </a:t>
+            </a:r>
           </a:p>
         </p:txBody>
       </p:sp>
@@ -9974,13 +9890,6 @@
   <p:clrMapOvr>
     <a:masterClrMapping/>
   </p:clrMapOvr>
-  <p:timing>
-    <p:tnLst>
-      <p:par>
-        <p:cTn id="1" dur="indefinite" restart="never" nodeType="tmRoot"/>
-      </p:par>
-    </p:tnLst>
-  </p:timing>
 </p:sld>
 </file>
 
@@ -10017,10 +9926,9 @@
           <a:lstStyle/>
           <a:p>
             <a:r>
-              <a:rPr lang="en-CA" dirty="0" smtClean="0"/>
+              <a:rPr lang="en-CA" dirty="0"/>
               <a:t>The Can() function</a:t>
             </a:r>
-            <a:endParaRPr lang="en-CA" dirty="0"/>
           </a:p>
         </p:txBody>
       </p:sp>
@@ -10105,10 +10013,9 @@
               <a:buNone/>
             </a:pPr>
             <a:r>
-              <a:rPr lang="en-CA" dirty="0" smtClean="0"/>
+              <a:rPr lang="en-CA" dirty="0"/>
               <a:t>Returns MPs that can be applied to an object of class Data:</a:t>
             </a:r>
-            <a:endParaRPr lang="en-CA" dirty="0"/>
           </a:p>
         </p:txBody>
       </p:sp>
@@ -10122,13 +10029,6 @@
   <p:clrMapOvr>
     <a:masterClrMapping/>
   </p:clrMapOvr>
-  <p:timing>
-    <p:tnLst>
-      <p:par>
-        <p:cTn id="1" dur="indefinite" restart="never" nodeType="tmRoot"/>
-      </p:par>
-    </p:tnLst>
-  </p:timing>
 </p:sld>
 </file>
 
@@ -10170,10 +10070,9 @@
           <a:lstStyle/>
           <a:p>
             <a:r>
-              <a:rPr lang="en-CA" dirty="0" smtClean="0"/>
+              <a:rPr lang="en-CA" dirty="0"/>
               <a:t>The Cant() function</a:t>
             </a:r>
-            <a:endParaRPr lang="en-CA" dirty="0"/>
           </a:p>
         </p:txBody>
       </p:sp>
@@ -10258,10 +10157,9 @@
               <a:buNone/>
             </a:pPr>
             <a:r>
-              <a:rPr lang="en-CA" dirty="0" smtClean="0"/>
+              <a:rPr lang="en-CA" dirty="0"/>
               <a:t>Returns MPs that can’t be applied to the data and an explanation:</a:t>
             </a:r>
-            <a:endParaRPr lang="en-CA" dirty="0"/>
           </a:p>
         </p:txBody>
       </p:sp>
@@ -10275,13 +10173,6 @@
   <p:clrMapOvr>
     <a:masterClrMapping/>
   </p:clrMapOvr>
-  <p:timing>
-    <p:tnLst>
-      <p:par>
-        <p:cTn id="1" dur="indefinite" restart="never" nodeType="tmRoot"/>
-      </p:par>
-    </p:tnLst>
-  </p:timing>
 </p:sld>
 </file>
 
@@ -10323,10 +10214,9 @@
           <a:lstStyle/>
           <a:p>
             <a:r>
-              <a:rPr lang="en-CA" dirty="0" smtClean="0"/>
+              <a:rPr lang="en-CA" dirty="0"/>
               <a:t>The Needed() function</a:t>
             </a:r>
-            <a:endParaRPr lang="en-CA" dirty="0"/>
           </a:p>
         </p:txBody>
       </p:sp>
@@ -10357,10 +10247,9 @@
               <a:buNone/>
             </a:pPr>
             <a:r>
-              <a:rPr lang="en-CA" dirty="0" smtClean="0"/>
+              <a:rPr lang="en-CA" dirty="0"/>
               <a:t>Returns MPs that can’t be applied to the data and the corresponding data that are needed:</a:t>
             </a:r>
-            <a:endParaRPr lang="en-CA" dirty="0"/>
           </a:p>
         </p:txBody>
       </p:sp>
@@ -10428,13 +10317,6 @@
   <p:clrMapOvr>
     <a:masterClrMapping/>
   </p:clrMapOvr>
-  <p:timing>
-    <p:tnLst>
-      <p:par>
-        <p:cTn id="1" dur="indefinite" restart="never" nodeType="tmRoot"/>
-      </p:par>
-    </p:tnLst>
-  </p:timing>
 </p:sld>
 </file>
 
@@ -10476,10 +10358,9 @@
           <a:lstStyle/>
           <a:p>
             <a:r>
-              <a:rPr lang="en-CA" dirty="0" smtClean="0"/>
+              <a:rPr lang="en-CA" dirty="0"/>
               <a:t>Calculating TACs for a Data object: TAC()</a:t>
             </a:r>
-            <a:endParaRPr lang="en-CA" dirty="0"/>
           </a:p>
         </p:txBody>
       </p:sp>
@@ -10827,10 +10708,9 @@
           <a:lstStyle/>
           <a:p>
             <a:r>
-              <a:rPr lang="en-CA" dirty="0" smtClean="0"/>
+              <a:rPr lang="en-CA" dirty="0"/>
               <a:t>Plot</a:t>
             </a:r>
-            <a:endParaRPr lang="en-CA" dirty="0"/>
           </a:p>
         </p:txBody>
       </p:sp>
@@ -11073,10 +10953,9 @@
           <a:lstStyle/>
           <a:p>
             <a:r>
-              <a:rPr lang="en-CA" dirty="0" smtClean="0"/>
+              <a:rPr lang="en-CA" dirty="0"/>
               <a:t>Calculating input recommendations: Input()</a:t>
             </a:r>
-            <a:endParaRPr lang="en-CA" dirty="0"/>
           </a:p>
         </p:txBody>
       </p:sp>

--- a/Disused code/Misc/DLM_DFO/Lectures/3 Customizing DLMtool/L3d Running MPs.pptx
+++ b/Disused code/Misc/DLM_DFO/Lectures/3 Customizing DLMtool/L3d Running MPs.pptx
@@ -269,7 +269,7 @@
               <a:pPr>
                 <a:defRPr/>
               </a:pPr>
-              <a:t>2017-10-23</a:t>
+              <a:t>2017-10-31</a:t>
             </a:fld>
             <a:endParaRPr lang="en-CA"/>
           </a:p>
@@ -784,7 +784,7 @@
               <a:pPr>
                 <a:defRPr/>
               </a:pPr>
-              <a:t>10/23/2017</a:t>
+              <a:t>10/31/2017</a:t>
             </a:fld>
             <a:endParaRPr lang="en-US" dirty="0"/>
           </a:p>
@@ -1154,7 +1154,7 @@
               <a:pPr>
                 <a:defRPr/>
               </a:pPr>
-              <a:t>10/23/2017</a:t>
+              <a:t>10/31/2017</a:t>
             </a:fld>
             <a:endParaRPr lang="en-US" dirty="0"/>
           </a:p>
@@ -1432,7 +1432,7 @@
               <a:pPr>
                 <a:defRPr/>
               </a:pPr>
-              <a:t>10/23/2017</a:t>
+              <a:t>10/31/2017</a:t>
             </a:fld>
             <a:endParaRPr lang="en-US" dirty="0"/>
           </a:p>
@@ -2021,7 +2021,7 @@
               <a:pPr>
                 <a:defRPr/>
               </a:pPr>
-              <a:t>10/23/2017</a:t>
+              <a:t>10/31/2017</a:t>
             </a:fld>
             <a:endParaRPr lang="en-US" dirty="0"/>
           </a:p>
@@ -2301,7 +2301,7 @@
               <a:pPr>
                 <a:defRPr/>
               </a:pPr>
-              <a:t>10/23/2017</a:t>
+              <a:t>10/31/2017</a:t>
             </a:fld>
             <a:endParaRPr lang="en-US" dirty="0"/>
           </a:p>
@@ -2929,7 +2929,7 @@
               <a:pPr>
                 <a:defRPr/>
               </a:pPr>
-              <a:t>10/23/2017</a:t>
+              <a:t>10/31/2017</a:t>
             </a:fld>
             <a:endParaRPr lang="en-US" dirty="0"/>
           </a:p>
@@ -3849,7 +3849,7 @@
               <a:pPr>
                 <a:defRPr/>
               </a:pPr>
-              <a:t>10/23/2017</a:t>
+              <a:t>10/31/2017</a:t>
             </a:fld>
             <a:endParaRPr lang="en-US" dirty="0"/>
           </a:p>
@@ -4105,7 +4105,7 @@
               <a:pPr>
                 <a:defRPr/>
               </a:pPr>
-              <a:t>10/23/2017</a:t>
+              <a:t>10/31/2017</a:t>
             </a:fld>
             <a:endParaRPr lang="en-US" dirty="0"/>
           </a:p>
@@ -4371,7 +4371,7 @@
               <a:pPr>
                 <a:defRPr/>
               </a:pPr>
-              <a:t>10/23/2017</a:t>
+              <a:t>10/31/2017</a:t>
             </a:fld>
             <a:endParaRPr lang="en-US" dirty="0"/>
           </a:p>
@@ -4632,7 +4632,7 @@
               <a:pPr>
                 <a:defRPr/>
               </a:pPr>
-              <a:t>10/23/2017</a:t>
+              <a:t>10/31/2017</a:t>
             </a:fld>
             <a:endParaRPr lang="en-US" dirty="0"/>
           </a:p>
@@ -4911,7 +4911,7 @@
               <a:pPr>
                 <a:defRPr/>
               </a:pPr>
-              <a:t>10/23/2017</a:t>
+              <a:t>10/31/2017</a:t>
             </a:fld>
             <a:endParaRPr lang="en-US" dirty="0"/>
           </a:p>
@@ -5165,7 +5165,7 @@
               <a:pPr>
                 <a:defRPr/>
               </a:pPr>
-              <a:t>10/23/2017</a:t>
+              <a:t>10/31/2017</a:t>
             </a:fld>
             <a:endParaRPr lang="en-US" dirty="0"/>
           </a:p>
@@ -5580,7 +5580,7 @@
               <a:pPr>
                 <a:defRPr/>
               </a:pPr>
-              <a:t>10/23/2017</a:t>
+              <a:t>10/31/2017</a:t>
             </a:fld>
             <a:endParaRPr lang="en-US" dirty="0"/>
           </a:p>
@@ -5720,7 +5720,7 @@
               <a:pPr>
                 <a:defRPr/>
               </a:pPr>
-              <a:t>10/23/2017</a:t>
+              <a:t>10/31/2017</a:t>
             </a:fld>
             <a:endParaRPr lang="en-US" dirty="0"/>
           </a:p>
@@ -5837,7 +5837,7 @@
               <a:pPr>
                 <a:defRPr/>
               </a:pPr>
-              <a:t>10/23/2017</a:t>
+              <a:t>10/31/2017</a:t>
             </a:fld>
             <a:endParaRPr lang="en-US" dirty="0"/>
           </a:p>
@@ -6134,7 +6134,7 @@
               <a:pPr>
                 <a:defRPr/>
               </a:pPr>
-              <a:t>10/23/2017</a:t>
+              <a:t>10/31/2017</a:t>
             </a:fld>
             <a:endParaRPr lang="en-US" dirty="0"/>
           </a:p>
@@ -6442,7 +6442,7 @@
               <a:pPr>
                 <a:defRPr/>
               </a:pPr>
-              <a:t>10/23/2017</a:t>
+              <a:t>10/31/2017</a:t>
             </a:fld>
             <a:endParaRPr lang="en-US" dirty="0"/>
           </a:p>
@@ -6751,7 +6751,7 @@
               <a:pPr>
                 <a:defRPr/>
               </a:pPr>
-              <a:t>10/23/2017</a:t>
+              <a:t>10/31/2017</a:t>
             </a:fld>
             <a:endParaRPr lang="en-US" dirty="0"/>
           </a:p>
@@ -7370,12 +7370,20 @@
               <a:defRPr/>
             </a:pPr>
             <a:r>
+              <a:rPr lang="en-US" sz="3600">
+                <a:solidFill>
+                  <a:srgbClr val="27AFE5"/>
+                </a:solidFill>
+              </a:rPr>
+              <a:t>Data-Limited Methods </a:t>
+            </a:r>
+            <a:r>
               <a:rPr lang="en-US" sz="3600" dirty="0">
                 <a:solidFill>
                   <a:srgbClr val="27AFE5"/>
                 </a:solidFill>
               </a:rPr>
-              <a:t>Data-Limited Fisheries Toolkit </a:t>
+              <a:t>Toolkit </a:t>
             </a:r>
           </a:p>
         </p:txBody>
